--- a/Predstavitev.pptx
+++ b/Predstavitev.pptx
@@ -114,6 +114,11 @@
       </a:defRPr>
     </a:lvl9pPr>
   </p:defaultTextStyle>
+  <p:extLst>
+    <p:ext uri="{EFAFB233-063F-42B5-8137-9DF3F51BA10A}">
+      <p15:sldGuideLst xmlns:p15="http://schemas.microsoft.com/office/powerpoint/2012/main"/>
+    </p:ext>
+  </p:extLst>
 </p:presentation>
 </file>
 
@@ -11195,7 +11200,7 @@
           <a:p>
             <a:r>
               <a:rPr lang="en-SI" dirty="0"/>
-              <a:t>Agents act based on factors for themselves (alpha) and for the best agent (beta) (alpha = exploration, beta = following others)</a:t>
+              <a:t>Agents have a number that presents attraction to other walruses(alpha), attraction to the best walrus (beta) and their own desires (delta)</a:t>
             </a:r>
           </a:p>
           <a:p>

--- a/Predstavitev.pptx
+++ b/Predstavitev.pptx
@@ -11475,7 +11475,7 @@
             </a:pPr>
             <a:r>
               <a:rPr lang="en-SI" dirty="0"/>
-              <a:t>F1 – 302,6764</a:t>
+              <a:t>F1 – 300</a:t>
             </a:r>
           </a:p>
           <a:p>
@@ -11485,7 +11485,7 @@
             </a:pPr>
             <a:r>
               <a:rPr lang="en-SI" dirty="0"/>
-              <a:t>F2 – 469,8377</a:t>
+              <a:t>F2 – 449,0844</a:t>
             </a:r>
           </a:p>
           <a:p>
@@ -11495,7 +11495,7 @@
             </a:pPr>
             <a:r>
               <a:rPr lang="en-SI" dirty="0"/>
-              <a:t>F3 – 600,0001</a:t>
+              <a:t>F3 – 600,0</a:t>
             </a:r>
           </a:p>
           <a:p>
@@ -11505,7 +11505,7 @@
             </a:pPr>
             <a:r>
               <a:rPr lang="en-SI" dirty="0"/>
-              <a:t>F4 – 1.068,5024</a:t>
+              <a:t>F4 – 965,9074</a:t>
             </a:r>
           </a:p>
           <a:p>
@@ -11515,7 +11515,7 @@
             </a:pPr>
             <a:r>
               <a:rPr lang="en-SI" dirty="0"/>
-              <a:t>F5 -914,8667</a:t>
+              <a:t>F5 – 900,0</a:t>
             </a:r>
           </a:p>
           <a:p>
@@ -11525,7 +11525,7 @@
             </a:pPr>
             <a:r>
               <a:rPr lang="en-SI" dirty="0"/>
-              <a:t>F6 – 187.352,0377</a:t>
+              <a:t>F6 – 64012,6999</a:t>
             </a:r>
             <a:endParaRPr lang="en-SI" dirty="0">
               <a:latin typeface="Century Gothic (Body)"/>
@@ -11538,7 +11538,7 @@
             </a:pPr>
             <a:r>
               <a:rPr lang="en-SI" dirty="0"/>
-              <a:t>F7 – 2.023,1090</a:t>
+              <a:t>F7 – 1.757,2529</a:t>
             </a:r>
           </a:p>
           <a:p>
@@ -11548,7 +11548,7 @@
             </a:pPr>
             <a:r>
               <a:rPr lang="en-SI" dirty="0"/>
-              <a:t>F8 – 2.079,3809</a:t>
+              <a:t>F8 – 2.843,2251</a:t>
             </a:r>
           </a:p>
           <a:p>
@@ -11558,7 +11558,7 @@
             </a:pPr>
             <a:r>
               <a:rPr lang="en-SI" dirty="0"/>
-              <a:t>F9 – 2.635,7372</a:t>
+              <a:t>F9 – 2.635,6388</a:t>
             </a:r>
           </a:p>
           <a:p>
@@ -11568,7 +11568,7 @@
             </a:pPr>
             <a:r>
               <a:rPr lang="en-SI" dirty="0"/>
-              <a:t>F10 - -292,3534</a:t>
+              <a:t>F10 - -1.831,8119</a:t>
             </a:r>
           </a:p>
           <a:p>
@@ -11578,7 +11578,7 @@
             </a:pPr>
             <a:r>
               <a:rPr lang="en-SI" dirty="0"/>
-              <a:t>F11 – 2.600,4539</a:t>
+              <a:t>F11 – 2.600,0</a:t>
             </a:r>
           </a:p>
           <a:p>
@@ -11588,7 +11588,7 @@
             </a:pPr>
             <a:r>
               <a:rPr lang="en-SI" dirty="0"/>
-              <a:t>F12 – 3.327,7636</a:t>
+              <a:t>F12 – 2.918,7906</a:t>
             </a:r>
           </a:p>
         </p:txBody>
